--- a/1707013.pptx
+++ b/1707013.pptx
@@ -2476,7 +2476,7 @@
           <a:p>
             <a:fld id="{9EF1FC17-3B28-494A-B340-85B604CAC3DB}" type="datetimeFigureOut">
               <a:rPr lang="en-US" smtClean="0"/>
-              <a:t>2/11/2023</a:t>
+              <a:t>2/13/2023</a:t>
             </a:fld>
             <a:endParaRPr lang="en-US"/>
           </a:p>
@@ -8143,17 +8143,8 @@
               <a:rPr lang="en-US" dirty="0" smtClean="0">
                 <a:latin typeface="Helvetica Neue"/>
               </a:rPr>
-              <a:t>CSE 4000: </a:t>
-            </a:r>
-            <a:r>
-              <a:rPr lang="en-US" dirty="0" smtClean="0">
-                <a:latin typeface="Helvetica Neue"/>
-              </a:rPr>
-              <a:t>Thesis</a:t>
-            </a:r>
-            <a:endParaRPr lang="en-US" dirty="0" smtClean="0">
-              <a:latin typeface="Helvetica Neue"/>
-            </a:endParaRPr>
+              <a:t>CSE 4000: Thesis</a:t>
+            </a:r>
           </a:p>
           <a:p>
             <a:pPr>
@@ -8233,7 +8224,7 @@
         <p:spPr>
           <a:xfrm>
             <a:off x="6274061" y="3909658"/>
-            <a:ext cx="5785155" cy="2139047"/>
+            <a:ext cx="5785155" cy="2492990"/>
           </a:xfrm>
           <a:prstGeom prst="rect">
             <a:avLst/>
@@ -8271,10 +8262,16 @@
               </a:spcAft>
             </a:pPr>
             <a:r>
+              <a:rPr lang="en-US" dirty="0" smtClean="0">
+                <a:latin typeface="Helvetica Neue"/>
+              </a:rPr>
+              <a:t>Dr</a:t>
+            </a:r>
+            <a:r>
               <a:rPr lang="en-US" dirty="0">
                 <a:latin typeface="Helvetica Neue"/>
               </a:rPr>
-              <a:t>Prof. Dr. </a:t>
+              <a:t>. </a:t>
             </a:r>
             <a:r>
               <a:rPr lang="en-US" dirty="0" err="1">
@@ -8305,6 +8302,22 @@
                 <a:latin typeface="Helvetica Neue"/>
               </a:rPr>
               <a:t>Alam</a:t>
+            </a:r>
+            <a:endParaRPr lang="en-US" dirty="0" smtClean="0">
+              <a:latin typeface="Helvetica Neue"/>
+            </a:endParaRPr>
+          </a:p>
+          <a:p>
+            <a:pPr>
+              <a:spcAft>
+                <a:spcPts val="600"/>
+              </a:spcAft>
+            </a:pPr>
+            <a:r>
+              <a:rPr lang="en-US" dirty="0" smtClean="0">
+                <a:latin typeface="Helvetica Neue"/>
+              </a:rPr>
+              <a:t>Professor</a:t>
             </a:r>
             <a:endParaRPr lang="en-US" dirty="0">
               <a:latin typeface="Helvetica Neue"/>
@@ -8389,12 +8402,12 @@
   <p:clrMapOvr>
     <a:masterClrMapping/>
   </p:clrMapOvr>
-  <mc:AlternateContent xmlns:mc="http://schemas.openxmlformats.org/markup-compatibility/2006" xmlns:p14="http://schemas.microsoft.com/office/powerpoint/2010/main">
-    <mc:Choice Requires="p14">
-      <p:transition spd="slow" p14:dur="2000" advTm="11793"/>
+  <mc:AlternateContent xmlns:mc="http://schemas.openxmlformats.org/markup-compatibility/2006">
+    <mc:Choice xmlns:p14="http://schemas.microsoft.com/office/powerpoint/2010/main" Requires="p14">
+      <p:transition spd="slow" p14:dur="2000" advTm="11774"/>
     </mc:Choice>
-    <mc:Fallback xmlns="">
-      <p:transition spd="slow" advTm="11793"/>
+    <mc:Fallback>
+      <p:transition spd="slow" advTm="11774"/>
     </mc:Fallback>
   </mc:AlternateContent>
   <p:timing>
@@ -8561,13 +8574,7 @@
               <a:rPr lang="en-US" dirty="0" smtClean="0">
                 <a:cs typeface="Arial" panose="020B0604020202020204" pitchFamily="34" charset="0"/>
               </a:rPr>
-              <a:t> Our proposed method for implementing the system is divided into thre</a:t>
-            </a:r>
-            <a:r>
-              <a:rPr lang="en-US" dirty="0" smtClean="0">
-                <a:cs typeface="Arial" panose="020B0604020202020204" pitchFamily="34" charset="0"/>
-              </a:rPr>
-              <a:t>e phases :</a:t>
+              <a:t> Our proposed method for implementing the system is divided into three phases :</a:t>
             </a:r>
           </a:p>
           <a:p>
@@ -8729,12 +8736,12 @@
   <p:clrMapOvr>
     <a:masterClrMapping/>
   </p:clrMapOvr>
-  <mc:AlternateContent xmlns:mc="http://schemas.openxmlformats.org/markup-compatibility/2006" xmlns:p14="http://schemas.microsoft.com/office/powerpoint/2010/main">
-    <mc:Choice Requires="p14">
-      <p:transition spd="slow" p14:dur="2000" advTm="4454"/>
+  <mc:AlternateContent xmlns:mc="http://schemas.openxmlformats.org/markup-compatibility/2006">
+    <mc:Choice xmlns:p14="http://schemas.microsoft.com/office/powerpoint/2010/main" Requires="p14">
+      <p:transition spd="slow" p14:dur="2000" advTm="11984"/>
     </mc:Choice>
-    <mc:Fallback xmlns="">
-      <p:transition spd="slow" advTm="4454"/>
+    <mc:Fallback>
+      <p:transition spd="slow" advTm="11984"/>
     </mc:Fallback>
   </mc:AlternateContent>
   <p:timing>
@@ -8894,8 +8901,8 @@
         </p:blipFill>
         <p:spPr>
           <a:xfrm>
-            <a:off x="2383970" y="1610478"/>
-            <a:ext cx="7424060" cy="4860686"/>
+            <a:off x="2383971" y="1610478"/>
+            <a:ext cx="7424058" cy="4860686"/>
           </a:xfrm>
           <a:prstGeom prst="rect">
             <a:avLst/>
@@ -8983,12 +8990,12 @@
   <p:clrMapOvr>
     <a:masterClrMapping/>
   </p:clrMapOvr>
-  <mc:AlternateContent xmlns:mc="http://schemas.openxmlformats.org/markup-compatibility/2006" xmlns:p14="http://schemas.microsoft.com/office/powerpoint/2010/main">
-    <mc:Choice Requires="p14">
-      <p:transition spd="slow" p14:dur="2000" advTm="4454"/>
+  <mc:AlternateContent xmlns:mc="http://schemas.openxmlformats.org/markup-compatibility/2006">
+    <mc:Choice xmlns:p14="http://schemas.microsoft.com/office/powerpoint/2010/main" Requires="p14">
+      <p:transition spd="slow" p14:dur="2000" advTm="20247"/>
     </mc:Choice>
-    <mc:Fallback xmlns="">
-      <p:transition spd="slow" advTm="4454"/>
+    <mc:Fallback>
+      <p:transition spd="slow" advTm="20247"/>
     </mc:Fallback>
   </mc:AlternateContent>
   <p:timing>
@@ -9105,7 +9112,7 @@
               <a:rPr lang="en-US" dirty="0" smtClean="0">
                 <a:cs typeface="Arial" panose="020B0604020202020204" pitchFamily="34" charset="0"/>
               </a:rPr>
-              <a:t>That person will initially request for access which will be checked and approved by the first authority</a:t>
+              <a:t>That person will initially request for access which will be checked and approved by the first authority.</a:t>
             </a:r>
             <a:r>
               <a:rPr lang="en-US" dirty="0">
@@ -9277,12 +9284,12 @@
   <p:clrMapOvr>
     <a:masterClrMapping/>
   </p:clrMapOvr>
-  <mc:AlternateContent xmlns:mc="http://schemas.openxmlformats.org/markup-compatibility/2006" xmlns:p14="http://schemas.microsoft.com/office/powerpoint/2010/main">
-    <mc:Choice Requires="p14">
-      <p:transition spd="slow" p14:dur="2000" advTm="4454"/>
+  <mc:AlternateContent xmlns:mc="http://schemas.openxmlformats.org/markup-compatibility/2006">
+    <mc:Choice xmlns:p14="http://schemas.microsoft.com/office/powerpoint/2010/main" Requires="p14">
+      <p:transition spd="slow" p14:dur="2000" advTm="19031"/>
     </mc:Choice>
-    <mc:Fallback xmlns="">
-      <p:transition spd="slow" advTm="4454"/>
+    <mc:Fallback>
+      <p:transition spd="slow" advTm="19031"/>
     </mc:Fallback>
   </mc:AlternateContent>
   <p:timing>
@@ -9583,12 +9590,12 @@
   <p:clrMapOvr>
     <a:masterClrMapping/>
   </p:clrMapOvr>
-  <mc:AlternateContent xmlns:mc="http://schemas.openxmlformats.org/markup-compatibility/2006" xmlns:p14="http://schemas.microsoft.com/office/powerpoint/2010/main">
-    <mc:Choice Requires="p14">
-      <p:transition spd="slow" p14:dur="2000" advTm="4454"/>
+  <mc:AlternateContent xmlns:mc="http://schemas.openxmlformats.org/markup-compatibility/2006">
+    <mc:Choice xmlns:p14="http://schemas.microsoft.com/office/powerpoint/2010/main" Requires="p14">
+      <p:transition spd="slow" p14:dur="2000" advTm="24431"/>
     </mc:Choice>
-    <mc:Fallback xmlns="">
-      <p:transition spd="slow" advTm="4454"/>
+    <mc:Fallback>
+      <p:transition spd="slow" advTm="24431"/>
     </mc:Fallback>
   </mc:AlternateContent>
   <p:timing>
@@ -9893,7 +9900,6 @@
               <a:rPr lang="en-US" sz="2000" dirty="0"/>
               <a:t>of Linear Authorization Chain for Permission Management</a:t>
             </a:r>
-            <a:endParaRPr lang="en-US" sz="2000" dirty="0"/>
           </a:p>
         </p:txBody>
       </p:sp>
@@ -11263,12 +11269,12 @@
   <p:clrMapOvr>
     <a:masterClrMapping/>
   </p:clrMapOvr>
-  <mc:AlternateContent xmlns:mc="http://schemas.openxmlformats.org/markup-compatibility/2006" xmlns:p14="http://schemas.microsoft.com/office/powerpoint/2010/main">
-    <mc:Choice Requires="p14">
-      <p:transition spd="slow" p14:dur="2000" advTm="4454"/>
+  <mc:AlternateContent xmlns:mc="http://schemas.openxmlformats.org/markup-compatibility/2006">
+    <mc:Choice xmlns:p14="http://schemas.microsoft.com/office/powerpoint/2010/main" Requires="p14">
+      <p:transition spd="slow" p14:dur="2000" advTm="21792"/>
     </mc:Choice>
-    <mc:Fallback xmlns="">
-      <p:transition spd="slow" advTm="4454"/>
+    <mc:Fallback>
+      <p:transition spd="slow" advTm="21792"/>
     </mc:Fallback>
   </mc:AlternateContent>
   <p:timing>
@@ -11516,12 +11522,12 @@
   <p:clrMapOvr>
     <a:masterClrMapping/>
   </p:clrMapOvr>
-  <mc:AlternateContent xmlns:mc="http://schemas.openxmlformats.org/markup-compatibility/2006" xmlns:p14="http://schemas.microsoft.com/office/powerpoint/2010/main">
-    <mc:Choice Requires="p14">
-      <p:transition spd="slow" p14:dur="2000" advTm="4454"/>
+  <mc:AlternateContent xmlns:mc="http://schemas.openxmlformats.org/markup-compatibility/2006">
+    <mc:Choice xmlns:p14="http://schemas.microsoft.com/office/powerpoint/2010/main" Requires="p14">
+      <p:transition spd="slow" p14:dur="2000" advTm="18247"/>
     </mc:Choice>
-    <mc:Fallback xmlns="">
-      <p:transition spd="slow" advTm="4454"/>
+    <mc:Fallback>
+      <p:transition spd="slow" advTm="18247"/>
     </mc:Fallback>
   </mc:AlternateContent>
   <p:timing>
@@ -11708,29 +11714,8 @@
               <a:rPr lang="en-US" sz="4000" dirty="0" smtClean="0">
                 <a:cs typeface="Arial" panose="020B0604020202020204" pitchFamily="34" charset="0"/>
               </a:rPr>
-              <a:t>interacted </a:t>
-            </a:r>
-            <a:r>
-              <a:rPr lang="en-US" sz="4000" dirty="0" smtClean="0">
-                <a:cs typeface="Arial" panose="020B0604020202020204" pitchFamily="34" charset="0"/>
-              </a:rPr>
-              <a:t>using </a:t>
-            </a:r>
-            <a:r>
-              <a:rPr lang="en-US" sz="4000" dirty="0" smtClean="0">
-                <a:cs typeface="Arial" panose="020B0604020202020204" pitchFamily="34" charset="0"/>
-              </a:rPr>
-              <a:t>the Metamask </a:t>
-            </a:r>
-            <a:r>
-              <a:rPr lang="en-US" sz="4000" dirty="0" smtClean="0">
-                <a:cs typeface="Arial" panose="020B0604020202020204" pitchFamily="34" charset="0"/>
-              </a:rPr>
-              <a:t>wallet which the eligible voters will be using.</a:t>
-            </a:r>
-            <a:endParaRPr lang="en-US" sz="4000" dirty="0" smtClean="0">
-              <a:cs typeface="Arial" panose="020B0604020202020204" pitchFamily="34" charset="0"/>
-            </a:endParaRPr>
+              <a:t>interacted using the Metamask wallet which the eligible voters will be using.</a:t>
+            </a:r>
           </a:p>
           <a:p>
             <a:pPr marL="0" indent="0">
@@ -11760,23 +11745,8 @@
               <a:rPr lang="en-US" sz="4000" dirty="0" smtClean="0">
                 <a:cs typeface="Arial" panose="020B0604020202020204" pitchFamily="34" charset="0"/>
               </a:rPr>
-              <a:t>Each of the </a:t>
-            </a:r>
-            <a:r>
-              <a:rPr lang="en-US" sz="4000" dirty="0" smtClean="0">
-                <a:cs typeface="Arial" panose="020B0604020202020204" pitchFamily="34" charset="0"/>
-              </a:rPr>
-              <a:t>voters will </a:t>
-            </a:r>
-            <a:r>
-              <a:rPr lang="en-US" sz="4000" dirty="0" smtClean="0">
-                <a:cs typeface="Arial" panose="020B0604020202020204" pitchFamily="34" charset="0"/>
-              </a:rPr>
-              <a:t>cast their vote by providing desired candidate index and a secret number. These inputs will be used to generate a hash value for each of the votes.</a:t>
-            </a:r>
-            <a:endParaRPr lang="en-US" sz="4000" dirty="0" smtClean="0">
-              <a:cs typeface="Arial" panose="020B0604020202020204" pitchFamily="34" charset="0"/>
-            </a:endParaRPr>
+              <a:t>Each of the voters will cast their vote by providing desired candidate index and a secret number. These inputs will be used to generate a hash value for each of the votes.</a:t>
+            </a:r>
           </a:p>
           <a:p>
             <a:pPr>
@@ -11843,22 +11813,16 @@
               <a:t> which will be cut from the </a:t>
             </a:r>
             <a:r>
-              <a:rPr lang="en-US" sz="4000" dirty="0" err="1">
+              <a:rPr lang="en-US" sz="4000" dirty="0">
                 <a:cs typeface="Arial" panose="020B0604020202020204" pitchFamily="34" charset="0"/>
               </a:rPr>
               <a:t>M</a:t>
-            </a:r>
-            <a:r>
-              <a:rPr lang="en-US" sz="4000" dirty="0" err="1" smtClean="0">
-                <a:cs typeface="Arial" panose="020B0604020202020204" pitchFamily="34" charset="0"/>
-              </a:rPr>
-              <a:t>etamask</a:t>
             </a:r>
             <a:r>
               <a:rPr lang="en-US" sz="4000" dirty="0" smtClean="0">
                 <a:cs typeface="Arial" panose="020B0604020202020204" pitchFamily="34" charset="0"/>
               </a:rPr>
-              <a:t> wallet</a:t>
+              <a:t>etamask wallet.</a:t>
             </a:r>
             <a:endParaRPr lang="en-US" sz="4000" dirty="0">
               <a:cs typeface="Arial" panose="020B0604020202020204" pitchFamily="34" charset="0"/>
@@ -11952,12 +11916,12 @@
   <p:clrMapOvr>
     <a:masterClrMapping/>
   </p:clrMapOvr>
-  <mc:AlternateContent xmlns:mc="http://schemas.openxmlformats.org/markup-compatibility/2006" xmlns:p14="http://schemas.microsoft.com/office/powerpoint/2010/main">
-    <mc:Choice Requires="p14">
-      <p:transition spd="slow" p14:dur="2000" advTm="4454"/>
+  <mc:AlternateContent xmlns:mc="http://schemas.openxmlformats.org/markup-compatibility/2006">
+    <mc:Choice xmlns:p14="http://schemas.microsoft.com/office/powerpoint/2010/main" Requires="p14">
+      <p:transition spd="slow" p14:dur="2000" advTm="10592"/>
     </mc:Choice>
-    <mc:Fallback xmlns="">
-      <p:transition spd="slow" advTm="4454"/>
+    <mc:Fallback>
+      <p:transition spd="slow" advTm="10592"/>
     </mc:Fallback>
   </mc:AlternateContent>
   <p:timing>
@@ -12211,10 +12175,10 @@
                 </a:solidFill>
                 <a:cs typeface="Arial" panose="020B0604020202020204" pitchFamily="34" charset="0"/>
               </a:rPr>
-              <a:t>Figure </a:t>
-            </a:r>
-            <a:r>
-              <a:rPr lang="en-US" sz="2000" b="1" dirty="0">
+              <a:t>Figure 4</a:t>
+            </a:r>
+            <a:r>
+              <a:rPr lang="en-US" sz="2000" b="1" dirty="0" smtClean="0">
                 <a:solidFill>
                   <a:schemeClr val="tx1">
                     <a:lumMod val="85000"/>
@@ -12223,10 +12187,10 @@
                 </a:solidFill>
                 <a:cs typeface="Arial" panose="020B0604020202020204" pitchFamily="34" charset="0"/>
               </a:rPr>
-              <a:t>4</a:t>
-            </a:r>
-            <a:r>
-              <a:rPr lang="en-US" sz="2000" b="1" dirty="0" smtClean="0">
+              <a:t>: </a:t>
+            </a:r>
+            <a:r>
+              <a:rPr lang="en-US" sz="2000" dirty="0" smtClean="0">
                 <a:solidFill>
                   <a:schemeClr val="tx1">
                     <a:lumMod val="85000"/>
@@ -12235,31 +12199,7 @@
                 </a:solidFill>
                 <a:cs typeface="Arial" panose="020B0604020202020204" pitchFamily="34" charset="0"/>
               </a:rPr>
-              <a:t>: </a:t>
-            </a:r>
-            <a:r>
-              <a:rPr lang="en-US" sz="2000" dirty="0" smtClean="0">
-                <a:solidFill>
-                  <a:schemeClr val="tx1">
-                    <a:lumMod val="85000"/>
-                    <a:lumOff val="15000"/>
-                  </a:schemeClr>
-                </a:solidFill>
-                <a:cs typeface="Arial" panose="020B0604020202020204" pitchFamily="34" charset="0"/>
-              </a:rPr>
-              <a:t>Block </a:t>
-            </a:r>
-            <a:r>
-              <a:rPr lang="en-US" sz="2000" dirty="0" smtClean="0">
-                <a:solidFill>
-                  <a:schemeClr val="tx1">
-                    <a:lumMod val="85000"/>
-                    <a:lumOff val="15000"/>
-                  </a:schemeClr>
-                </a:solidFill>
-                <a:cs typeface="Arial" panose="020B0604020202020204" pitchFamily="34" charset="0"/>
-              </a:rPr>
-              <a:t>Diagram of Election phase</a:t>
+              <a:t>Block Diagram of Election phase</a:t>
             </a:r>
             <a:endParaRPr lang="en-US" sz="2000" dirty="0">
               <a:solidFill>
@@ -12286,7 +12226,7 @@
           <p:nvPr/>
         </p:nvPicPr>
         <p:blipFill>
-          <a:blip r:embed="rId3">
+          <a:blip r:embed="rId3" cstate="print">
             <a:extLst>
               <a:ext uri="{28A0092B-C50C-407E-A947-70E740481C1C}">
                 <a14:useLocalDpi xmlns:a14="http://schemas.microsoft.com/office/drawing/2010/main" val="0"/>
@@ -12299,8 +12239,8 @@
         </p:blipFill>
         <p:spPr>
           <a:xfrm>
-            <a:off x="3177238" y="1660564"/>
-            <a:ext cx="5484814" cy="4753952"/>
+            <a:off x="3177857" y="1660564"/>
+            <a:ext cx="5483575" cy="4753952"/>
           </a:xfrm>
           <a:prstGeom prst="rect">
             <a:avLst/>
@@ -12317,12 +12257,12 @@
   <p:clrMapOvr>
     <a:masterClrMapping/>
   </p:clrMapOvr>
-  <mc:AlternateContent xmlns:mc="http://schemas.openxmlformats.org/markup-compatibility/2006" xmlns:p14="http://schemas.microsoft.com/office/powerpoint/2010/main">
-    <mc:Choice Requires="p14">
-      <p:transition spd="slow" p14:dur="2000" advTm="4454"/>
+  <mc:AlternateContent xmlns:mc="http://schemas.openxmlformats.org/markup-compatibility/2006">
+    <mc:Choice xmlns:p14="http://schemas.microsoft.com/office/powerpoint/2010/main" Requires="p14">
+      <p:transition spd="slow" p14:dur="2000" advTm="29072"/>
     </mc:Choice>
-    <mc:Fallback xmlns="">
-      <p:transition spd="slow" advTm="4454"/>
+    <mc:Fallback>
+      <p:transition spd="slow" advTm="29072"/>
     </mc:Fallback>
   </mc:AlternateContent>
   <p:timing>
@@ -12481,25 +12421,7 @@
               <a:rPr lang="en-US" dirty="0" smtClean="0">
                 <a:cs typeface="Arial" panose="020B0604020202020204" pitchFamily="34" charset="0"/>
               </a:rPr>
-              <a:t>The </a:t>
-            </a:r>
-            <a:r>
-              <a:rPr lang="en-US" dirty="0" smtClean="0">
-                <a:cs typeface="Arial" panose="020B0604020202020204" pitchFamily="34" charset="0"/>
-              </a:rPr>
-              <a:t>election </a:t>
-            </a:r>
-            <a:r>
-              <a:rPr lang="en-US" dirty="0" smtClean="0">
-                <a:cs typeface="Arial" panose="020B0604020202020204" pitchFamily="34" charset="0"/>
-              </a:rPr>
-              <a:t>will get finished </a:t>
-            </a:r>
-            <a:r>
-              <a:rPr lang="en-US" dirty="0" smtClean="0">
-                <a:cs typeface="Arial" panose="020B0604020202020204" pitchFamily="34" charset="0"/>
-              </a:rPr>
-              <a:t>once the event reaches its time limit.</a:t>
+              <a:t>The election will get finished once the event reaches its time limit.</a:t>
             </a:r>
           </a:p>
           <a:p>
@@ -12519,20 +12441,23 @@
               <a:buChar char="q"/>
             </a:pPr>
             <a:r>
+              <a:rPr lang="en-US" dirty="0" smtClean="0">
+                <a:cs typeface="Arial" panose="020B0604020202020204" pitchFamily="34" charset="0"/>
+              </a:rPr>
+              <a:t> The </a:t>
+            </a:r>
+            <a:r>
               <a:rPr lang="en-US" dirty="0">
                 <a:cs typeface="Arial" panose="020B0604020202020204" pitchFamily="34" charset="0"/>
               </a:rPr>
-              <a:t>The voters will be able to see the </a:t>
+              <a:t>voters will be able to see the </a:t>
             </a:r>
             <a:r>
               <a:rPr lang="en-US" dirty="0" smtClean="0">
                 <a:cs typeface="Arial" panose="020B0604020202020204" pitchFamily="34" charset="0"/>
               </a:rPr>
-              <a:t>result</a:t>
-            </a:r>
-            <a:endParaRPr lang="en-US" dirty="0" smtClean="0">
-              <a:cs typeface="Arial" panose="020B0604020202020204" pitchFamily="34" charset="0"/>
-            </a:endParaRPr>
+              <a:t>result.</a:t>
+            </a:r>
           </a:p>
           <a:p>
             <a:pPr>
@@ -12560,43 +12485,19 @@
               <a:rPr lang="en-US" dirty="0" smtClean="0">
                 <a:cs typeface="Arial" panose="020B0604020202020204" pitchFamily="34" charset="0"/>
               </a:rPr>
-              <a:t>D</a:t>
+              <a:t>Due </a:t>
+            </a:r>
+            <a:r>
+              <a:rPr lang="en-US" dirty="0">
+                <a:cs typeface="Arial" panose="020B0604020202020204" pitchFamily="34" charset="0"/>
+              </a:rPr>
+              <a:t>to </a:t>
             </a:r>
             <a:r>
               <a:rPr lang="en-US" dirty="0" smtClean="0">
                 <a:cs typeface="Arial" panose="020B0604020202020204" pitchFamily="34" charset="0"/>
               </a:rPr>
-              <a:t>ue </a:t>
-            </a:r>
-            <a:r>
-              <a:rPr lang="en-US" dirty="0">
-                <a:cs typeface="Arial" panose="020B0604020202020204" pitchFamily="34" charset="0"/>
-              </a:rPr>
-              <a:t>to </a:t>
-            </a:r>
-            <a:r>
-              <a:rPr lang="en-US" dirty="0" smtClean="0">
-                <a:cs typeface="Arial" panose="020B0604020202020204" pitchFamily="34" charset="0"/>
-              </a:rPr>
-              <a:t>unusual events, the </a:t>
-            </a:r>
-            <a:r>
-              <a:rPr lang="en-US" dirty="0" smtClean="0">
-                <a:cs typeface="Arial" panose="020B0604020202020204" pitchFamily="34" charset="0"/>
-              </a:rPr>
-              <a:t>administrator </a:t>
-            </a:r>
-            <a:r>
-              <a:rPr lang="en-US" dirty="0" smtClean="0">
-                <a:cs typeface="Arial" panose="020B0604020202020204" pitchFamily="34" charset="0"/>
-              </a:rPr>
-              <a:t>might also finish the event </a:t>
-            </a:r>
-            <a:r>
-              <a:rPr lang="en-US" dirty="0" smtClean="0">
-                <a:cs typeface="Arial" panose="020B0604020202020204" pitchFamily="34" charset="0"/>
-              </a:rPr>
-              <a:t>early with the approval of other authorities in the system.</a:t>
+              <a:t>unusual events, the administrator might also finish the event early with the approval of other authorities in the system.</a:t>
             </a:r>
             <a:r>
               <a:rPr lang="en-US" sz="3200" dirty="0">
@@ -12681,12 +12582,12 @@
   <p:clrMapOvr>
     <a:masterClrMapping/>
   </p:clrMapOvr>
-  <mc:AlternateContent xmlns:mc="http://schemas.openxmlformats.org/markup-compatibility/2006" xmlns:p14="http://schemas.microsoft.com/office/powerpoint/2010/main">
-    <mc:Choice Requires="p14">
-      <p:transition spd="slow" p14:dur="2000" advTm="4454"/>
+  <mc:AlternateContent xmlns:mc="http://schemas.openxmlformats.org/markup-compatibility/2006">
+    <mc:Choice xmlns:p14="http://schemas.microsoft.com/office/powerpoint/2010/main" Requires="p14">
+      <p:transition spd="slow" p14:dur="2000" advTm="17688"/>
     </mc:Choice>
-    <mc:Fallback xmlns="">
-      <p:transition spd="slow" advTm="4454"/>
+    <mc:Fallback>
+      <p:transition spd="slow" advTm="17688"/>
     </mc:Fallback>
   </mc:AlternateContent>
   <p:timing>
@@ -12718,14 +12619,14 @@
       </p:grpSpPr>
       <p:sp>
         <p:nvSpPr>
-          <p:cNvPr id="8" name="Rectangle 7"/>
+          <p:cNvPr id="7" name="Rectangle 6"/>
           <p:cNvSpPr/>
           <p:nvPr/>
         </p:nvSpPr>
         <p:spPr>
           <a:xfrm>
-            <a:off x="0" y="-46851"/>
-            <a:ext cx="12192000" cy="2101987"/>
+            <a:off x="0" y="-46850"/>
+            <a:ext cx="12192000" cy="2008284"/>
           </a:xfrm>
           <a:prstGeom prst="rect">
             <a:avLst/>
@@ -13158,7 +13059,11 @@
               <a:buChar char="•"/>
             </a:pPr>
             <a:r>
-              <a:rPr lang="pt-BR" sz="2200" dirty="0"/>
+              <a:rPr lang="pt-BR" sz="2200" dirty="0">
+                <a:solidFill>
+                  <a:schemeClr val="tx1"/>
+                </a:solidFill>
+              </a:rPr>
               <a:t>Intel(R) Core(TM) i7-6500U CPU @ 2.50GHz</a:t>
             </a:r>
             <a:r>
@@ -13167,7 +13072,7 @@
                   <a:noFill/>
                 </a:ln>
                 <a:solidFill>
-                  <a:prstClr val="black"/>
+                  <a:schemeClr val="tx1"/>
                 </a:solidFill>
                 <a:effectLst/>
                 <a:uLnTx/>
@@ -13183,10 +13088,7 @@
                 <a:noFill/>
               </a:ln>
               <a:solidFill>
-                <a:prstClr val="black">
-                  <a:lumMod val="75000"/>
-                  <a:lumOff val="25000"/>
-                </a:prstClr>
+                <a:schemeClr val="tx1"/>
               </a:solidFill>
               <a:effectLst/>
               <a:uLnTx/>
@@ -13218,7 +13120,7 @@
                   <a:noFill/>
                 </a:ln>
                 <a:solidFill>
-                  <a:prstClr val="black"/>
+                  <a:schemeClr val="tx1"/>
                 </a:solidFill>
                 <a:effectLst/>
                 <a:uLnTx/>
@@ -13233,7 +13135,7 @@
                   <a:noFill/>
                 </a:ln>
                 <a:solidFill>
-                  <a:prstClr val="black"/>
+                  <a:schemeClr val="tx1"/>
                 </a:solidFill>
                 <a:effectLst/>
                 <a:uLnTx/>
@@ -13247,7 +13149,7 @@
                 <a:noFill/>
               </a:ln>
               <a:solidFill>
-                <a:prstClr val="black"/>
+                <a:schemeClr val="tx1"/>
               </a:solidFill>
               <a:effectLst/>
               <a:uLnTx/>
@@ -13276,7 +13178,7 @@
             <a:r>
               <a:rPr lang="en-US" sz="2200" noProof="0" dirty="0" smtClean="0">
                 <a:solidFill>
-                  <a:prstClr val="black"/>
+                  <a:schemeClr val="tx1"/>
                 </a:solidFill>
                 <a:latin typeface="Calibri" panose="020F0502020204030204"/>
               </a:rPr>
@@ -13288,7 +13190,7 @@
                   <a:noFill/>
                 </a:ln>
                 <a:solidFill>
-                  <a:prstClr val="black"/>
+                  <a:schemeClr val="tx1"/>
                 </a:solidFill>
                 <a:effectLst/>
                 <a:uLnTx/>
@@ -13302,7 +13204,7 @@
                 <a:noFill/>
               </a:ln>
               <a:solidFill>
-                <a:prstClr val="black"/>
+                <a:schemeClr val="tx1"/>
               </a:solidFill>
               <a:effectLst/>
               <a:uLnTx/>
@@ -13336,7 +13238,7 @@
                   <a:noFill/>
                 </a:ln>
                 <a:solidFill>
-                  <a:prstClr val="black"/>
+                  <a:schemeClr val="tx1"/>
                 </a:solidFill>
                 <a:effectLst/>
                 <a:uLnTx/>
@@ -13369,7 +13271,7 @@
             <a:r>
               <a:rPr lang="en-US" sz="2200" dirty="0" smtClean="0">
                 <a:solidFill>
-                  <a:prstClr val="black"/>
+                  <a:schemeClr val="tx1"/>
                 </a:solidFill>
                 <a:latin typeface="Calibri" panose="020F0502020204030204"/>
                 <a:ea typeface="Tahoma" panose="020B0604030504040204" pitchFamily="34" charset="0"/>
@@ -13382,7 +13284,7 @@
                 <a:noFill/>
               </a:ln>
               <a:solidFill>
-                <a:prstClr val="black"/>
+                <a:schemeClr val="tx1"/>
               </a:solidFill>
               <a:effectLst/>
               <a:uLnTx/>
@@ -13416,7 +13318,7 @@
                   <a:noFill/>
                 </a:ln>
                 <a:solidFill>
-                  <a:prstClr val="black"/>
+                  <a:schemeClr val="tx1"/>
                 </a:solidFill>
                 <a:effectLst/>
                 <a:uLnTx/>
@@ -13476,12 +13378,12 @@
   <p:clrMapOvr>
     <a:masterClrMapping/>
   </p:clrMapOvr>
-  <mc:AlternateContent xmlns:mc="http://schemas.openxmlformats.org/markup-compatibility/2006" xmlns:p14="http://schemas.microsoft.com/office/powerpoint/2010/main">
-    <mc:Choice Requires="p14">
-      <p:transition spd="slow" p14:dur="2000" advTm="4454"/>
+  <mc:AlternateContent xmlns:mc="http://schemas.openxmlformats.org/markup-compatibility/2006">
+    <mc:Choice xmlns:p14="http://schemas.microsoft.com/office/powerpoint/2010/main" Requires="p14">
+      <p:transition spd="slow" p14:dur="2000" advTm="7720"/>
     </mc:Choice>
-    <mc:Fallback xmlns="">
-      <p:transition spd="slow" advTm="4454"/>
+    <mc:Fallback>
+      <p:transition spd="slow" advTm="7720"/>
     </mc:Fallback>
   </mc:AlternateContent>
   <p:timing>
@@ -13637,17 +13539,8 @@
               <a:rPr lang="en-US" dirty="0" smtClean="0">
                 <a:cs typeface="Calibri" panose="020F0502020204030204" pitchFamily="34" charset="0"/>
               </a:rPr>
-              <a:t> Related </a:t>
-            </a:r>
-            <a:r>
-              <a:rPr lang="en-US" dirty="0" smtClean="0">
-                <a:cs typeface="Calibri" panose="020F0502020204030204" pitchFamily="34" charset="0"/>
-              </a:rPr>
-              <a:t>Works</a:t>
-            </a:r>
-            <a:endParaRPr lang="en-US" dirty="0" smtClean="0">
-              <a:cs typeface="Calibri" panose="020F0502020204030204" pitchFamily="34" charset="0"/>
-            </a:endParaRPr>
+              <a:t> Related Works</a:t>
+            </a:r>
           </a:p>
           <a:p>
             <a:pPr>
@@ -13659,17 +13552,8 @@
               <a:rPr lang="en-US" dirty="0" smtClean="0">
                 <a:cs typeface="Calibri" panose="020F0502020204030204" pitchFamily="34" charset="0"/>
               </a:rPr>
-              <a:t> </a:t>
-            </a:r>
-            <a:r>
-              <a:rPr lang="en-US" dirty="0" smtClean="0">
-                <a:cs typeface="Calibri" panose="020F0502020204030204" pitchFamily="34" charset="0"/>
-              </a:rPr>
-              <a:t>Objectives</a:t>
-            </a:r>
-            <a:endParaRPr lang="en-US" dirty="0" smtClean="0">
-              <a:cs typeface="Calibri" panose="020F0502020204030204" pitchFamily="34" charset="0"/>
-            </a:endParaRPr>
+              <a:t> Objectives</a:t>
+            </a:r>
           </a:p>
           <a:p>
             <a:pPr>
@@ -13702,9 +13586,6 @@
               </a:rPr>
               <a:t>Experimental Analyses</a:t>
             </a:r>
-            <a:endParaRPr lang="en-US" dirty="0" smtClean="0">
-              <a:cs typeface="Calibri" panose="020F0502020204030204" pitchFamily="34" charset="0"/>
-            </a:endParaRPr>
           </a:p>
           <a:p>
             <a:pPr>
@@ -13724,9 +13605,6 @@
               </a:rPr>
               <a:t>Conclusions</a:t>
             </a:r>
-            <a:endParaRPr lang="en-US" dirty="0" smtClean="0">
-              <a:cs typeface="Calibri" panose="020F0502020204030204" pitchFamily="34" charset="0"/>
-            </a:endParaRPr>
           </a:p>
           <a:p>
             <a:pPr>
@@ -13794,12 +13672,12 @@
   <p:clrMapOvr>
     <a:masterClrMapping/>
   </p:clrMapOvr>
-  <mc:AlternateContent xmlns:mc="http://schemas.openxmlformats.org/markup-compatibility/2006" xmlns:p14="http://schemas.microsoft.com/office/powerpoint/2010/main">
-    <mc:Choice Requires="p14">
-      <p:transition spd="slow" p14:dur="2000" advTm="7989"/>
+  <mc:AlternateContent xmlns:mc="http://schemas.openxmlformats.org/markup-compatibility/2006">
+    <mc:Choice xmlns:p14="http://schemas.microsoft.com/office/powerpoint/2010/main" Requires="p14">
+      <p:transition spd="slow" p14:dur="2000" advTm="3928"/>
     </mc:Choice>
-    <mc:Fallback xmlns="">
-      <p:transition spd="slow" advTm="7989"/>
+    <mc:Fallback>
+      <p:transition spd="slow" advTm="3928"/>
     </mc:Fallback>
   </mc:AlternateContent>
   <p:timing>
@@ -13909,15 +13787,18 @@
                 <a:latin typeface="Bahnschrift" panose="020B0502040204020203" pitchFamily="34" charset="0"/>
                 <a:cs typeface="Arial" panose="020B0604020202020204" pitchFamily="34" charset="0"/>
               </a:rPr>
-              <a:t>Experimental Analyses</a:t>
-            </a:r>
-            <a:endParaRPr lang="en-US" sz="4200" b="1" dirty="0">
-              <a:solidFill>
-                <a:schemeClr val="bg1"/>
-              </a:solidFill>
-              <a:latin typeface="Bahnschrift" panose="020B0502040204020203" pitchFamily="34" charset="0"/>
-              <a:cs typeface="Arial" panose="020B0604020202020204" pitchFamily="34" charset="0"/>
-            </a:endParaRPr>
+              <a:t>Experimental </a:t>
+            </a:r>
+            <a:r>
+              <a:rPr lang="en-US" sz="4200" b="1" dirty="0">
+                <a:solidFill>
+                  <a:schemeClr val="bg1"/>
+                </a:solidFill>
+                <a:latin typeface="Bahnschrift" panose="020B0502040204020203" pitchFamily="34" charset="0"/>
+                <a:cs typeface="Arial" panose="020B0604020202020204" pitchFamily="34" charset="0"/>
+              </a:rPr>
+              <a:t>Analyses (Contd.)</a:t>
+            </a:r>
           </a:p>
         </p:txBody>
       </p:sp>
@@ -14284,13 +14165,13 @@
           <p:nvPr>
             <p:extLst>
               <p:ext uri="{D42A27DB-BD31-4B8C-83A1-F6EECF244321}">
-                <p14:modId xmlns:p14="http://schemas.microsoft.com/office/powerpoint/2010/main" val="1753376025"/>
+                <p14:modId xmlns:p14="http://schemas.microsoft.com/office/powerpoint/2010/main" val="3945413431"/>
               </p:ext>
             </p:extLst>
           </p:nvPr>
         </p:nvGraphicFramePr>
         <p:xfrm>
-          <a:off x="1260193" y="2685757"/>
+          <a:off x="1260193" y="2946682"/>
           <a:ext cx="9671614" cy="1282849"/>
         </p:xfrm>
         <a:graphic>
@@ -14560,7 +14441,7 @@
         </p:nvSpPr>
         <p:spPr>
           <a:xfrm>
-            <a:off x="2059318" y="3968606"/>
+            <a:off x="2041713" y="2453986"/>
             <a:ext cx="8073365" cy="938719"/>
           </a:xfrm>
           <a:prstGeom prst="rect">
@@ -14645,13 +14526,13 @@
           <p:nvPr>
             <p:extLst>
               <p:ext uri="{D42A27DB-BD31-4B8C-83A1-F6EECF244321}">
-                <p14:modId xmlns:p14="http://schemas.microsoft.com/office/powerpoint/2010/main" val="214424061"/>
+                <p14:modId xmlns:p14="http://schemas.microsoft.com/office/powerpoint/2010/main" val="2819356037"/>
               </p:ext>
             </p:extLst>
           </p:nvPr>
         </p:nvGraphicFramePr>
         <p:xfrm>
-          <a:off x="1260193" y="4614879"/>
+          <a:off x="1260191" y="5001414"/>
           <a:ext cx="9636407" cy="1369914"/>
         </p:xfrm>
         <a:graphic>
@@ -14921,7 +14802,7 @@
         </p:nvSpPr>
         <p:spPr>
           <a:xfrm>
-            <a:off x="2431985" y="5984705"/>
+            <a:off x="2414378" y="4447416"/>
             <a:ext cx="7328032" cy="553998"/>
           </a:xfrm>
           <a:prstGeom prst="rect">
@@ -15017,12 +14898,12 @@
   <p:clrMapOvr>
     <a:masterClrMapping/>
   </p:clrMapOvr>
-  <mc:AlternateContent xmlns:mc="http://schemas.openxmlformats.org/markup-compatibility/2006" xmlns:p14="http://schemas.microsoft.com/office/powerpoint/2010/main">
-    <mc:Choice Requires="p14">
-      <p:transition spd="slow" p14:dur="2000" advTm="4454"/>
+  <mc:AlternateContent xmlns:mc="http://schemas.openxmlformats.org/markup-compatibility/2006">
+    <mc:Choice xmlns:p14="http://schemas.microsoft.com/office/powerpoint/2010/main" Requires="p14">
+      <p:transition spd="slow" p14:dur="2000" advTm="18848"/>
     </mc:Choice>
-    <mc:Fallback xmlns="">
-      <p:transition spd="slow" advTm="4454"/>
+    <mc:Fallback>
+      <p:transition spd="slow" advTm="18848"/>
     </mc:Fallback>
   </mc:AlternateContent>
   <p:timing>
@@ -15132,15 +15013,18 @@
                 <a:latin typeface="Bahnschrift" panose="020B0502040204020203" pitchFamily="34" charset="0"/>
                 <a:cs typeface="Arial" panose="020B0604020202020204" pitchFamily="34" charset="0"/>
               </a:rPr>
-              <a:t>Experimental Analyses</a:t>
-            </a:r>
-            <a:endParaRPr lang="en-US" sz="4200" b="1" dirty="0">
-              <a:solidFill>
-                <a:schemeClr val="bg1"/>
-              </a:solidFill>
-              <a:latin typeface="Bahnschrift" panose="020B0502040204020203" pitchFamily="34" charset="0"/>
-              <a:cs typeface="Arial" panose="020B0604020202020204" pitchFamily="34" charset="0"/>
-            </a:endParaRPr>
+              <a:t>Experimental </a:t>
+            </a:r>
+            <a:r>
+              <a:rPr lang="en-US" sz="4200" b="1" dirty="0">
+                <a:solidFill>
+                  <a:schemeClr val="bg1"/>
+                </a:solidFill>
+                <a:latin typeface="Bahnschrift" panose="020B0502040204020203" pitchFamily="34" charset="0"/>
+                <a:cs typeface="Arial" panose="020B0604020202020204" pitchFamily="34" charset="0"/>
+              </a:rPr>
+              <a:t>Analyses (Contd.)</a:t>
+            </a:r>
           </a:p>
         </p:txBody>
       </p:sp>
@@ -15506,7 +15390,7 @@
         </p:nvSpPr>
         <p:spPr>
           <a:xfrm>
-            <a:off x="1518271" y="5164338"/>
+            <a:off x="1518267" y="2696016"/>
             <a:ext cx="9155455" cy="938719"/>
           </a:xfrm>
           <a:prstGeom prst="rect">
@@ -15592,13 +15476,13 @@
           <p:nvPr>
             <p:extLst>
               <p:ext uri="{D42A27DB-BD31-4B8C-83A1-F6EECF244321}">
-                <p14:modId xmlns:p14="http://schemas.microsoft.com/office/powerpoint/2010/main" val="2148955928"/>
+                <p14:modId xmlns:p14="http://schemas.microsoft.com/office/powerpoint/2010/main" val="2546039881"/>
               </p:ext>
             </p:extLst>
           </p:nvPr>
         </p:nvGraphicFramePr>
         <p:xfrm>
-          <a:off x="580898" y="2679188"/>
+          <a:off x="580892" y="3286355"/>
           <a:ext cx="11030203" cy="2485150"/>
         </p:xfrm>
         <a:graphic>
@@ -15709,12 +15593,27 @@
                         </a:tabLst>
                       </a:pPr>
                       <a:r>
-                        <a:rPr lang="en-US" sz="2400">
+                        <a:rPr lang="en-US" sz="2400" dirty="0" err="1">
+                          <a:solidFill>
+                            <a:schemeClr val="tx1"/>
+                          </a:solidFill>
                           <a:effectLst/>
                         </a:rPr>
-                        <a:t>transferOwnership()</a:t>
+                        <a:t>transferOwnership</a:t>
                       </a:r>
-                      <a:endParaRPr lang="en-US" sz="2400">
+                      <a:r>
+                        <a:rPr lang="en-US" sz="2400" dirty="0">
+                          <a:solidFill>
+                            <a:schemeClr val="tx1"/>
+                          </a:solidFill>
+                          <a:effectLst/>
+                        </a:rPr>
+                        <a:t>()</a:t>
+                      </a:r>
+                      <a:endParaRPr lang="en-US" sz="2400" dirty="0">
+                        <a:solidFill>
+                          <a:schemeClr val="tx1"/>
+                        </a:solidFill>
                         <a:effectLst/>
                         <a:latin typeface="Times New Roman" panose="02020603050405020304" pitchFamily="18" charset="0"/>
                         <a:ea typeface="Calibri" panose="020F0502020204030204" pitchFamily="34" charset="0"/>
@@ -15722,7 +15621,11 @@
                       </a:endParaRPr>
                     </a:p>
                   </a:txBody>
-                  <a:tcPr marL="136441" marR="136441" marT="0" marB="0"/>
+                  <a:tcPr marL="136441" marR="136441" marT="0" marB="0">
+                    <a:solidFill>
+                      <a:srgbClr val="EAEFF7"/>
+                    </a:solidFill>
+                  </a:tcPr>
                 </a:tc>
                 <a:extLst>
                   <a:ext uri="{0D108BD9-81ED-4DB2-BD59-A6C34878D82A}">
@@ -16172,12 +16075,12 @@
   <p:clrMapOvr>
     <a:masterClrMapping/>
   </p:clrMapOvr>
-  <mc:AlternateContent xmlns:mc="http://schemas.openxmlformats.org/markup-compatibility/2006" xmlns:p14="http://schemas.microsoft.com/office/powerpoint/2010/main">
-    <mc:Choice Requires="p14">
-      <p:transition spd="slow" p14:dur="2000" advTm="4454"/>
+  <mc:AlternateContent xmlns:mc="http://schemas.openxmlformats.org/markup-compatibility/2006">
+    <mc:Choice xmlns:p14="http://schemas.microsoft.com/office/powerpoint/2010/main" Requires="p14">
+      <p:transition spd="slow" p14:dur="2000" advTm="9952"/>
     </mc:Choice>
-    <mc:Fallback xmlns="">
-      <p:transition spd="slow" advTm="4454"/>
+    <mc:Fallback>
+      <p:transition spd="slow" advTm="9952"/>
     </mc:Fallback>
   </mc:AlternateContent>
   <p:timing>
@@ -16287,15 +16190,18 @@
                 <a:latin typeface="Bahnschrift" panose="020B0502040204020203" pitchFamily="34" charset="0"/>
                 <a:cs typeface="Arial" panose="020B0604020202020204" pitchFamily="34" charset="0"/>
               </a:rPr>
-              <a:t>Experimental Analyses</a:t>
-            </a:r>
-            <a:endParaRPr lang="en-US" sz="4200" b="1" dirty="0">
-              <a:solidFill>
-                <a:schemeClr val="bg1"/>
-              </a:solidFill>
-              <a:latin typeface="Bahnschrift" panose="020B0502040204020203" pitchFamily="34" charset="0"/>
-              <a:cs typeface="Arial" panose="020B0604020202020204" pitchFamily="34" charset="0"/>
-            </a:endParaRPr>
+              <a:t>Experimental </a:t>
+            </a:r>
+            <a:r>
+              <a:rPr lang="en-US" sz="4200" b="1" dirty="0">
+                <a:solidFill>
+                  <a:schemeClr val="bg1"/>
+                </a:solidFill>
+                <a:latin typeface="Bahnschrift" panose="020B0502040204020203" pitchFamily="34" charset="0"/>
+                <a:cs typeface="Arial" panose="020B0604020202020204" pitchFamily="34" charset="0"/>
+              </a:rPr>
+              <a:t>Analyses (Contd.)</a:t>
+            </a:r>
           </a:p>
         </p:txBody>
       </p:sp>
@@ -16471,12 +16377,12 @@
   <p:clrMapOvr>
     <a:masterClrMapping/>
   </p:clrMapOvr>
-  <mc:AlternateContent xmlns:mc="http://schemas.openxmlformats.org/markup-compatibility/2006" xmlns:p14="http://schemas.microsoft.com/office/powerpoint/2010/main">
-    <mc:Choice Requires="p14">
-      <p:transition spd="slow" p14:dur="2000" advTm="4454"/>
+  <mc:AlternateContent xmlns:mc="http://schemas.openxmlformats.org/markup-compatibility/2006">
+    <mc:Choice xmlns:p14="http://schemas.microsoft.com/office/powerpoint/2010/main" Requires="p14">
+      <p:transition spd="slow" p14:dur="2000" advTm="12816"/>
     </mc:Choice>
-    <mc:Fallback xmlns="">
-      <p:transition spd="slow" advTm="4454"/>
+    <mc:Fallback>
+      <p:transition spd="slow" advTm="12816"/>
     </mc:Fallback>
   </mc:AlternateContent>
   <p:timing>
@@ -16586,15 +16492,18 @@
                 <a:latin typeface="Bahnschrift" panose="020B0502040204020203" pitchFamily="34" charset="0"/>
                 <a:cs typeface="Arial" panose="020B0604020202020204" pitchFamily="34" charset="0"/>
               </a:rPr>
-              <a:t>Experimental Analyses</a:t>
-            </a:r>
-            <a:endParaRPr lang="en-US" sz="4200" b="1" dirty="0">
-              <a:solidFill>
-                <a:schemeClr val="bg1"/>
-              </a:solidFill>
-              <a:latin typeface="Bahnschrift" panose="020B0502040204020203" pitchFamily="34" charset="0"/>
-              <a:cs typeface="Arial" panose="020B0604020202020204" pitchFamily="34" charset="0"/>
-            </a:endParaRPr>
+              <a:t>Experimental </a:t>
+            </a:r>
+            <a:r>
+              <a:rPr lang="en-US" sz="4200" b="1" dirty="0">
+                <a:solidFill>
+                  <a:schemeClr val="bg1"/>
+                </a:solidFill>
+                <a:latin typeface="Bahnschrift" panose="020B0502040204020203" pitchFamily="34" charset="0"/>
+                <a:cs typeface="Arial" panose="020B0604020202020204" pitchFamily="34" charset="0"/>
+              </a:rPr>
+              <a:t>Analyses (Contd.)</a:t>
+            </a:r>
           </a:p>
         </p:txBody>
       </p:sp>
@@ -16775,12 +16684,12 @@
   <p:clrMapOvr>
     <a:masterClrMapping/>
   </p:clrMapOvr>
-  <mc:AlternateContent xmlns:mc="http://schemas.openxmlformats.org/markup-compatibility/2006" xmlns:p14="http://schemas.microsoft.com/office/powerpoint/2010/main">
-    <mc:Choice Requires="p14">
-      <p:transition spd="slow" p14:dur="2000" advTm="4454"/>
+  <mc:AlternateContent xmlns:mc="http://schemas.openxmlformats.org/markup-compatibility/2006">
+    <mc:Choice xmlns:p14="http://schemas.microsoft.com/office/powerpoint/2010/main" Requires="p14">
+      <p:transition spd="slow" p14:dur="2000" advTm="12960"/>
     </mc:Choice>
-    <mc:Fallback xmlns="">
-      <p:transition spd="slow" advTm="4454"/>
+    <mc:Fallback>
+      <p:transition spd="slow" advTm="12960"/>
     </mc:Fallback>
   </mc:AlternateContent>
   <p:timing>
@@ -17217,7 +17126,7 @@
             </a:lvl9pPr>
           </a:lstStyle>
           <a:p>
-            <a:pPr marL="91440" marR="0" lvl="0" indent="-91440" algn="just" defTabSz="914400" rtl="0" eaLnBrk="1" fontAlgn="auto" latinLnBrk="0" hangingPunct="1">
+            <a:pPr marL="0" marR="0" lvl="0" indent="0" algn="just" defTabSz="914400" rtl="0" eaLnBrk="1" fontAlgn="auto" latinLnBrk="0" hangingPunct="1">
               <a:lnSpc>
                 <a:spcPct val="90000"/>
               </a:lnSpc>
@@ -17231,8 +17140,7 @@
                 <a:srgbClr val="99CB38"/>
               </a:buClr>
               <a:buSzPct val="100000"/>
-              <a:buFont typeface="Calibri" panose="020F0502020204030204" pitchFamily="34" charset="0"/>
-              <a:buChar char=" "/>
+              <a:buNone/>
               <a:tabLst/>
               <a:defRPr/>
             </a:pPr>
@@ -17499,12 +17407,12 @@
   <p:clrMapOvr>
     <a:masterClrMapping/>
   </p:clrMapOvr>
-  <mc:AlternateContent xmlns:mc="http://schemas.openxmlformats.org/markup-compatibility/2006" xmlns:p14="http://schemas.microsoft.com/office/powerpoint/2010/main">
-    <mc:Choice Requires="p14">
-      <p:transition spd="slow" p14:dur="2000" advTm="4454"/>
+  <mc:AlternateContent xmlns:mc="http://schemas.openxmlformats.org/markup-compatibility/2006">
+    <mc:Choice xmlns:p14="http://schemas.microsoft.com/office/powerpoint/2010/main" Requires="p14">
+      <p:transition spd="slow" p14:dur="2000" advTm="39344"/>
     </mc:Choice>
-    <mc:Fallback xmlns="">
-      <p:transition spd="slow" advTm="4454"/>
+    <mc:Fallback>
+      <p:transition spd="slow" advTm="39344"/>
     </mc:Fallback>
   </mc:AlternateContent>
   <p:timing>
@@ -18350,12 +18258,12 @@
   <p:clrMapOvr>
     <a:masterClrMapping/>
   </p:clrMapOvr>
-  <mc:AlternateContent xmlns:mc="http://schemas.openxmlformats.org/markup-compatibility/2006" xmlns:p14="http://schemas.microsoft.com/office/powerpoint/2010/main">
-    <mc:Choice Requires="p14">
-      <p:transition spd="slow" p14:dur="2000" advTm="4454"/>
+  <mc:AlternateContent xmlns:mc="http://schemas.openxmlformats.org/markup-compatibility/2006">
+    <mc:Choice xmlns:p14="http://schemas.microsoft.com/office/powerpoint/2010/main" Requires="p14">
+      <p:transition spd="slow" p14:dur="2000" advTm="26496"/>
     </mc:Choice>
-    <mc:Fallback xmlns="">
-      <p:transition spd="slow" advTm="4454"/>
+    <mc:Fallback>
+      <p:transition spd="slow" advTm="26496"/>
     </mc:Fallback>
   </mc:AlternateContent>
   <p:timing>
@@ -18783,12 +18691,12 @@
   <p:clrMapOvr>
     <a:masterClrMapping/>
   </p:clrMapOvr>
-  <mc:AlternateContent xmlns:mc="http://schemas.openxmlformats.org/markup-compatibility/2006" xmlns:p14="http://schemas.microsoft.com/office/powerpoint/2010/main">
-    <mc:Choice Requires="p14">
-      <p:transition spd="slow" p14:dur="2000"/>
+  <mc:AlternateContent xmlns:mc="http://schemas.openxmlformats.org/markup-compatibility/2006">
+    <mc:Choice xmlns:p14="http://schemas.microsoft.com/office/powerpoint/2010/main" Requires="p14">
+      <p:transition spd="slow" p14:dur="2000" advTm="1592"/>
     </mc:Choice>
-    <mc:Fallback xmlns="">
-      <p:transition spd="slow"/>
+    <mc:Fallback>
+      <p:transition spd="slow" advTm="1592"/>
     </mc:Fallback>
   </mc:AlternateContent>
   <p:timing>
@@ -19107,7 +19015,6 @@
               <a:rPr lang="en-US" sz="2000" dirty="0" smtClean="0"/>
               <a:t>www.simplilearn.com/tutorials/cyber-security-tutorial/sha-256-algorithm</a:t>
             </a:r>
-            <a:endParaRPr lang="en-US" sz="2000" dirty="0" smtClean="0"/>
           </a:p>
           <a:p>
             <a:pPr marL="0" indent="0">
@@ -19163,12 +19070,12 @@
   <p:clrMapOvr>
     <a:masterClrMapping/>
   </p:clrMapOvr>
-  <mc:AlternateContent xmlns:mc="http://schemas.openxmlformats.org/markup-compatibility/2006" xmlns:p14="http://schemas.microsoft.com/office/powerpoint/2010/main">
-    <mc:Choice Requires="p14">
-      <p:transition spd="slow" p14:dur="2000"/>
+  <mc:AlternateContent xmlns:mc="http://schemas.openxmlformats.org/markup-compatibility/2006">
+    <mc:Choice xmlns:p14="http://schemas.microsoft.com/office/powerpoint/2010/main" Requires="p14">
+      <p:transition spd="slow" p14:dur="2000" advTm="680"/>
     </mc:Choice>
-    <mc:Fallback xmlns="">
-      <p:transition spd="slow"/>
+    <mc:Fallback>
+      <p:transition spd="slow" advTm="680"/>
     </mc:Fallback>
   </mc:AlternateContent>
   <p:timing>
@@ -19245,12 +19152,12 @@
   <p:clrMapOvr>
     <a:masterClrMapping/>
   </p:clrMapOvr>
-  <mc:AlternateContent xmlns:mc="http://schemas.openxmlformats.org/markup-compatibility/2006" xmlns:p14="http://schemas.microsoft.com/office/powerpoint/2010/main">
-    <mc:Choice Requires="p14">
-      <p:transition spd="slow" p14:dur="2000"/>
+  <mc:AlternateContent xmlns:mc="http://schemas.openxmlformats.org/markup-compatibility/2006">
+    <mc:Choice xmlns:p14="http://schemas.microsoft.com/office/powerpoint/2010/main" Requires="p14">
+      <p:transition spd="slow" p14:dur="2000" advTm="592"/>
     </mc:Choice>
-    <mc:Fallback xmlns="">
-      <p:transition spd="slow"/>
+    <mc:Fallback>
+      <p:transition spd="slow" advTm="592"/>
     </mc:Fallback>
   </mc:AlternateContent>
   <p:timing>
@@ -19436,39 +19343,37 @@
               <a:rPr lang="en-US" sz="3000" dirty="0" smtClean="0">
                 <a:cs typeface="Calibri" panose="020F0502020204030204" pitchFamily="34" charset="0"/>
               </a:rPr>
-              <a:t> </a:t>
+              <a:t> E-voting systems have emerged as a </a:t>
+            </a:r>
+            <a:r>
+              <a:rPr lang="en-US" sz="3000" dirty="0" smtClean="0"/>
+              <a:t>promising </a:t>
+            </a:r>
+            <a:r>
+              <a:rPr lang="en-US" sz="3000" dirty="0"/>
+              <a:t>alternative</a:t>
             </a:r>
             <a:r>
               <a:rPr lang="en-US" sz="3000" dirty="0" smtClean="0">
                 <a:cs typeface="Calibri" panose="020F0502020204030204" pitchFamily="34" charset="0"/>
               </a:rPr>
-              <a:t>E-voting systems have emerged as a </a:t>
+              <a:t>. </a:t>
             </a:r>
             <a:r>
               <a:rPr lang="en-US" sz="3000" dirty="0" smtClean="0"/>
-              <a:t>promising </a:t>
+              <a:t>But it </a:t>
             </a:r>
             <a:r>
               <a:rPr lang="en-US" sz="3000" dirty="0"/>
-              <a:t>alternative</a:t>
-            </a:r>
-            <a:r>
-              <a:rPr lang="en-US" sz="3000" dirty="0" smtClean="0">
-                <a:cs typeface="Calibri" panose="020F0502020204030204" pitchFamily="34" charset="0"/>
-              </a:rPr>
-              <a:t>. </a:t>
+              <a:t>also presents significant security challenges including the possibility of fraud, </a:t>
             </a:r>
             <a:r>
               <a:rPr lang="en-US" sz="3000" dirty="0" smtClean="0"/>
-              <a:t>But it</a:t>
-            </a:r>
-            <a:r>
-              <a:rPr lang="en-US" sz="3000" dirty="0" smtClean="0"/>
-              <a:t> </a:t>
+              <a:t>tampering </a:t>
             </a:r>
             <a:r>
               <a:rPr lang="en-US" sz="3000" dirty="0"/>
-              <a:t>also presents significant security challenges including the possibility of fraud, tampering, and hacking.</a:t>
+              <a:t>and hacking.</a:t>
             </a:r>
             <a:endParaRPr lang="en-US" sz="3000" dirty="0" smtClean="0">
               <a:cs typeface="Calibri" panose="020F0502020204030204" pitchFamily="34" charset="0"/>
@@ -19580,12 +19485,12 @@
   <p:clrMapOvr>
     <a:masterClrMapping/>
   </p:clrMapOvr>
-  <mc:AlternateContent xmlns:mc="http://schemas.openxmlformats.org/markup-compatibility/2006" xmlns:p14="http://schemas.microsoft.com/office/powerpoint/2010/main">
-    <mc:Choice Requires="p14">
-      <p:transition spd="slow" p14:dur="2000" advTm="20369"/>
+  <mc:AlternateContent xmlns:mc="http://schemas.openxmlformats.org/markup-compatibility/2006">
+    <mc:Choice xmlns:p14="http://schemas.microsoft.com/office/powerpoint/2010/main" Requires="p14">
+      <p:transition spd="slow" p14:dur="2000" advTm="37496"/>
     </mc:Choice>
-    <mc:Fallback xmlns="">
-      <p:transition spd="slow" advTm="20369"/>
+    <mc:Fallback>
+      <p:transition spd="slow" advTm="37496"/>
     </mc:Fallback>
   </mc:AlternateContent>
   <p:timing>
@@ -19758,19 +19663,7 @@
               <a:rPr lang="en-US" dirty="0" smtClean="0">
                 <a:cs typeface="Calibri" panose="020F0502020204030204" pitchFamily="34" charset="0"/>
               </a:rPr>
-              <a:t> Blockchain </a:t>
-            </a:r>
-            <a:r>
-              <a:rPr lang="en-US" dirty="0" smtClean="0">
-                <a:cs typeface="Calibri" panose="020F0502020204030204" pitchFamily="34" charset="0"/>
-              </a:rPr>
-              <a:t>could be used here to </a:t>
-            </a:r>
-            <a:r>
-              <a:rPr lang="en-US" dirty="0" smtClean="0">
-                <a:cs typeface="Calibri" panose="020F0502020204030204" pitchFamily="34" charset="0"/>
-              </a:rPr>
-              <a:t>eliminate these challenges.</a:t>
+              <a:t> Blockchain could be used here to eliminate these challenges.</a:t>
             </a:r>
             <a:endParaRPr lang="en-US" dirty="0">
               <a:cs typeface="Calibri" panose="020F0502020204030204" pitchFamily="34" charset="0"/>
@@ -19801,13 +19694,7 @@
               <a:rPr lang="en-US" dirty="0" smtClean="0">
                 <a:cs typeface="Calibri" panose="020F0502020204030204" pitchFamily="34" charset="0"/>
               </a:rPr>
-              <a:t> Due to its distributive property and cryptography structure, it is really less susceptible to hacking</a:t>
-            </a:r>
-            <a:r>
-              <a:rPr lang="en-US" dirty="0" smtClean="0">
-                <a:cs typeface="Calibri" panose="020F0502020204030204" pitchFamily="34" charset="0"/>
-              </a:rPr>
-              <a:t>.</a:t>
+              <a:t> Due to its distributive property and cryptography structure, it is really less susceptible to hacking.</a:t>
             </a:r>
           </a:p>
           <a:p>
@@ -19908,12 +19795,12 @@
   <p:clrMapOvr>
     <a:masterClrMapping/>
   </p:clrMapOvr>
-  <mc:AlternateContent xmlns:mc="http://schemas.openxmlformats.org/markup-compatibility/2006" xmlns:p14="http://schemas.microsoft.com/office/powerpoint/2010/main">
-    <mc:Choice Requires="p14">
-      <p:transition spd="slow" p14:dur="2000" advTm="20369"/>
+  <mc:AlternateContent xmlns:mc="http://schemas.openxmlformats.org/markup-compatibility/2006">
+    <mc:Choice xmlns:p14="http://schemas.microsoft.com/office/powerpoint/2010/main" Requires="p14">
+      <p:transition spd="slow" p14:dur="2000" advTm="15457"/>
     </mc:Choice>
-    <mc:Fallback xmlns="">
-      <p:transition spd="slow" advTm="20369"/>
+    <mc:Fallback>
+      <p:transition spd="slow" advTm="15457"/>
     </mc:Fallback>
   </mc:AlternateContent>
   <p:timing>
@@ -20355,23 +20242,51 @@
               <a:buNone/>
             </a:pPr>
             <a:r>
-              <a:rPr lang="en-US" sz="2300" dirty="0"/>
+              <a:rPr lang="en-US" sz="2300" dirty="0">
+                <a:solidFill>
+                  <a:schemeClr val="tx1"/>
+                </a:solidFill>
+              </a:rPr>
               <a:t>Many </a:t>
             </a:r>
             <a:r>
-              <a:rPr lang="en-US" sz="2300" dirty="0" err="1" smtClean="0"/>
+              <a:rPr lang="en-US" sz="2300" dirty="0" err="1" smtClean="0">
+                <a:solidFill>
+                  <a:schemeClr val="tx1"/>
+                </a:solidFill>
+              </a:rPr>
               <a:t>blockchain</a:t>
             </a:r>
             <a:r>
-              <a:rPr lang="en-US" sz="2300" dirty="0" smtClean="0"/>
-              <a:t> based approaches have </a:t>
-            </a:r>
-            <a:r>
-              <a:rPr lang="en-US" sz="2300" dirty="0"/>
+              <a:rPr lang="en-US" sz="2300" dirty="0">
+                <a:solidFill>
+                  <a:schemeClr val="tx1"/>
+                </a:solidFill>
+              </a:rPr>
+              <a:t> </a:t>
+            </a:r>
+            <a:r>
+              <a:rPr lang="en-US" sz="2300" dirty="0" smtClean="0">
+                <a:solidFill>
+                  <a:schemeClr val="tx1"/>
+                </a:solidFill>
+              </a:rPr>
+              <a:t>based approaches have </a:t>
+            </a:r>
+            <a:r>
+              <a:rPr lang="en-US" sz="2300" dirty="0">
+                <a:solidFill>
+                  <a:schemeClr val="tx1"/>
+                </a:solidFill>
+              </a:rPr>
               <a:t>been proposed to eliminate the shortcomings of </a:t>
             </a:r>
             <a:r>
-              <a:rPr lang="en-US" sz="2300" dirty="0" smtClean="0"/>
+              <a:rPr lang="en-US" sz="2300" dirty="0" smtClean="0">
+                <a:solidFill>
+                  <a:schemeClr val="tx1"/>
+                </a:solidFill>
+              </a:rPr>
               <a:t>the e-voting systems</a:t>
             </a:r>
             <a:r>
@@ -20380,7 +20295,7 @@
                   <a:noFill/>
                 </a:ln>
                 <a:solidFill>
-                  <a:sysClr val="windowText" lastClr="000000"/>
+                  <a:schemeClr val="tx1"/>
                 </a:solidFill>
                 <a:effectLst/>
                 <a:uLnTx/>
@@ -20391,7 +20306,7 @@
             <a:r>
               <a:rPr lang="en-US" sz="2300" dirty="0" smtClean="0">
                 <a:solidFill>
-                  <a:sysClr val="windowText" lastClr="000000"/>
+                  <a:schemeClr val="tx1"/>
                 </a:solidFill>
               </a:rPr>
               <a:t>Let us discuss some of them.</a:t>
@@ -20401,7 +20316,7 @@
                 <a:noFill/>
               </a:ln>
               <a:solidFill>
-                <a:sysClr val="windowText" lastClr="000000"/>
+                <a:schemeClr val="tx1"/>
               </a:solidFill>
               <a:effectLst/>
               <a:uLnTx/>
@@ -20662,12 +20577,12 @@
   <p:clrMapOvr>
     <a:masterClrMapping/>
   </p:clrMapOvr>
-  <mc:AlternateContent xmlns:mc="http://schemas.openxmlformats.org/markup-compatibility/2006" xmlns:p14="http://schemas.microsoft.com/office/powerpoint/2010/main">
-    <mc:Choice Requires="p14">
-      <p:transition spd="slow" p14:dur="2000" advTm="20369"/>
+  <mc:AlternateContent xmlns:mc="http://schemas.openxmlformats.org/markup-compatibility/2006">
+    <mc:Choice xmlns:p14="http://schemas.microsoft.com/office/powerpoint/2010/main" Requires="p14">
+      <p:transition spd="slow" p14:dur="2000" advTm="27191"/>
     </mc:Choice>
-    <mc:Fallback xmlns="">
-      <p:transition spd="slow" advTm="20369"/>
+    <mc:Fallback>
+      <p:transition spd="slow" advTm="27191"/>
     </mc:Fallback>
   </mc:AlternateContent>
   <p:timing>
@@ -20772,7 +20687,7 @@
                 <a:latin typeface="Bahnschrift" panose="020B0502040204020203" pitchFamily="34" charset="0"/>
                 <a:cs typeface="Arial" panose="020B0604020202020204" pitchFamily="34" charset="0"/>
               </a:rPr>
-              <a:t>Related Work (Contd.)</a:t>
+              <a:t>Related Works (Contd.)</a:t>
             </a:r>
             <a:endParaRPr lang="en-US" sz="4200" b="1" dirty="0">
               <a:solidFill>
@@ -21604,12 +21519,12 @@
   <p:clrMapOvr>
     <a:masterClrMapping/>
   </p:clrMapOvr>
-  <mc:AlternateContent xmlns:mc="http://schemas.openxmlformats.org/markup-compatibility/2006" xmlns:p14="http://schemas.microsoft.com/office/powerpoint/2010/main">
-    <mc:Choice Requires="p14">
-      <p:transition spd="slow" p14:dur="2000" advTm="20369"/>
+  <mc:AlternateContent xmlns:mc="http://schemas.openxmlformats.org/markup-compatibility/2006">
+    <mc:Choice xmlns:p14="http://schemas.microsoft.com/office/powerpoint/2010/main" Requires="p14">
+      <p:transition spd="slow" p14:dur="2000" advTm="23216"/>
     </mc:Choice>
-    <mc:Fallback xmlns="">
-      <p:transition spd="slow" advTm="20369"/>
+    <mc:Fallback>
+      <p:transition spd="slow" advTm="23216"/>
     </mc:Fallback>
   </mc:AlternateContent>
   <p:timing>
@@ -21714,7 +21629,7 @@
                 <a:latin typeface="Bahnschrift" panose="020B0502040204020203" pitchFamily="34" charset="0"/>
                 <a:cs typeface="Arial" panose="020B0604020202020204" pitchFamily="34" charset="0"/>
               </a:rPr>
-              <a:t>Limitations</a:t>
+              <a:t>Gap in the Research</a:t>
             </a:r>
             <a:endParaRPr lang="en-US" sz="4200" b="1" dirty="0">
               <a:solidFill>
@@ -22051,7 +21966,7 @@
                   <a:sysClr val="windowText" lastClr="000000"/>
                 </a:solidFill>
               </a:rPr>
-              <a:t>Some major shortcomings the previous research works are as follows:</a:t>
+              <a:t>Some major shortcomings of the previous research works are as follows:</a:t>
             </a:r>
             <a:endParaRPr lang="en-US" sz="2800" dirty="0">
               <a:solidFill>
@@ -22118,23 +22033,7 @@
                   <a:sysClr val="windowText" lastClr="000000"/>
                 </a:solidFill>
               </a:rPr>
-              <a:t>Usage of multiple smart contracts which </a:t>
-            </a:r>
-            <a:r>
-              <a:rPr lang="en-US" sz="2800" dirty="0" err="1" smtClean="0">
-                <a:solidFill>
-                  <a:sysClr val="windowText" lastClr="000000"/>
-                </a:solidFill>
-              </a:rPr>
-              <a:t>maked</a:t>
-            </a:r>
-            <a:r>
-              <a:rPr lang="en-US" sz="2800" dirty="0" smtClean="0">
-                <a:solidFill>
-                  <a:sysClr val="windowText" lastClr="000000"/>
-                </a:solidFill>
-              </a:rPr>
-              <a:t> the system computationally expensive.</a:t>
+              <a:t>Usage of multiple smart contracts which made the system computationally expensive.</a:t>
             </a:r>
           </a:p>
           <a:p>
@@ -22184,12 +22083,12 @@
   <p:clrMapOvr>
     <a:masterClrMapping/>
   </p:clrMapOvr>
-  <mc:AlternateContent xmlns:mc="http://schemas.openxmlformats.org/markup-compatibility/2006" xmlns:p14="http://schemas.microsoft.com/office/powerpoint/2010/main">
-    <mc:Choice Requires="p14">
-      <p:transition spd="slow" p14:dur="2000" advTm="4454"/>
+  <mc:AlternateContent xmlns:mc="http://schemas.openxmlformats.org/markup-compatibility/2006">
+    <mc:Choice xmlns:p14="http://schemas.microsoft.com/office/powerpoint/2010/main" Requires="p14">
+      <p:transition spd="slow" p14:dur="2000" advTm="17904"/>
     </mc:Choice>
-    <mc:Fallback xmlns="">
-      <p:transition spd="slow" advTm="4454"/>
+    <mc:Fallback>
+      <p:transition spd="slow" advTm="17904"/>
     </mc:Fallback>
   </mc:AlternateContent>
   <p:timing>
@@ -22372,23 +22271,8 @@
               <a:rPr lang="en-US" dirty="0" smtClean="0">
                 <a:cs typeface="Arial" panose="020B0604020202020204" pitchFamily="34" charset="0"/>
               </a:rPr>
-              <a:t> system </a:t>
-            </a:r>
-            <a:r>
-              <a:rPr lang="en-US" dirty="0" smtClean="0">
-                <a:cs typeface="Arial" panose="020B0604020202020204" pitchFamily="34" charset="0"/>
-              </a:rPr>
-              <a:t>to</a:t>
-            </a:r>
-            <a:r>
-              <a:rPr lang="en-US" dirty="0" smtClean="0">
-                <a:cs typeface="Arial" panose="020B0604020202020204" pitchFamily="34" charset="0"/>
-              </a:rPr>
-              <a:t> conduct elections in high scaled networks.</a:t>
-            </a:r>
-            <a:endParaRPr lang="en-US" dirty="0" smtClean="0">
-              <a:cs typeface="Arial" panose="020B0604020202020204" pitchFamily="34" charset="0"/>
-            </a:endParaRPr>
+              <a:t> system to conduct elections in high scaled networks.</a:t>
+            </a:r>
           </a:p>
           <a:p>
             <a:pPr algn="just">
@@ -22403,13 +22287,7 @@
               <a:rPr lang="en-US" dirty="0" smtClean="0">
                 <a:cs typeface="Arial" panose="020B0604020202020204" pitchFamily="34" charset="0"/>
               </a:rPr>
-              <a:t> To </a:t>
-            </a:r>
-            <a:r>
-              <a:rPr lang="en-US" dirty="0" smtClean="0">
-                <a:cs typeface="Arial" panose="020B0604020202020204" pitchFamily="34" charset="0"/>
-              </a:rPr>
-              <a:t>develop a multi-authority based administration system.</a:t>
+              <a:t> To develop a multi-authority based administration system.</a:t>
             </a:r>
           </a:p>
           <a:p>
@@ -22455,9 +22333,6 @@
               </a:rPr>
               <a:t>To develop the whole system in an efficient way to reduce the computational cost. </a:t>
             </a:r>
-            <a:endParaRPr lang="en-US" dirty="0" smtClean="0">
-              <a:cs typeface="Arial" panose="020B0604020202020204" pitchFamily="34" charset="0"/>
-            </a:endParaRPr>
           </a:p>
         </p:txBody>
       </p:sp>
@@ -22503,12 +22378,12 @@
   <p:clrMapOvr>
     <a:masterClrMapping/>
   </p:clrMapOvr>
-  <mc:AlternateContent xmlns:mc="http://schemas.openxmlformats.org/markup-compatibility/2006" xmlns:p14="http://schemas.microsoft.com/office/powerpoint/2010/main">
-    <mc:Choice Requires="p14">
-      <p:transition spd="slow" p14:dur="2000" advTm="4454"/>
+  <mc:AlternateContent xmlns:mc="http://schemas.openxmlformats.org/markup-compatibility/2006">
+    <mc:Choice xmlns:p14="http://schemas.microsoft.com/office/powerpoint/2010/main" Requires="p14">
+      <p:transition spd="slow" p14:dur="2000" advTm="20343"/>
     </mc:Choice>
-    <mc:Fallback xmlns="">
-      <p:transition spd="slow" advTm="4454"/>
+    <mc:Fallback>
+      <p:transition spd="slow" advTm="20343"/>
     </mc:Fallback>
   </mc:AlternateContent>
   <p:timing>
@@ -22652,11 +22527,19 @@
             </a:pPr>
             <a:r>
               <a:rPr lang="en-US" dirty="0" smtClean="0"/>
-              <a:t> Exclusion </a:t>
+              <a:t> </a:t>
+            </a:r>
+            <a:r>
+              <a:rPr lang="en-US" b="1" dirty="0" smtClean="0"/>
+              <a:t>Exclusion </a:t>
+            </a:r>
+            <a:r>
+              <a:rPr lang="en-US" b="1" dirty="0"/>
+              <a:t>of single authority</a:t>
             </a:r>
             <a:r>
               <a:rPr lang="en-US" dirty="0"/>
-              <a:t>of single authority based e-voting system which removes the partiality and also gains the trust of the </a:t>
+              <a:t> based e-voting system which removes the partiality and also gains the trust of the </a:t>
             </a:r>
             <a:r>
               <a:rPr lang="en-US" dirty="0" smtClean="0"/>
@@ -22692,11 +22575,23 @@
             </a:r>
             <a:r>
               <a:rPr lang="en-US" dirty="0"/>
-              <a:t>of multi-authority permission based system with El Gamal </a:t>
-            </a:r>
-            <a:r>
-              <a:rPr lang="en-US" dirty="0" smtClean="0"/>
-              <a:t>cryptography.</a:t>
+              <a:t>of </a:t>
+            </a:r>
+            <a:r>
+              <a:rPr lang="en-US" b="1" dirty="0"/>
+              <a:t>multi-authority permission</a:t>
+            </a:r>
+            <a:r>
+              <a:rPr lang="en-US" dirty="0"/>
+              <a:t> based system with </a:t>
+            </a:r>
+            <a:r>
+              <a:rPr lang="en-US" b="1" dirty="0"/>
+              <a:t>El Gamal e</a:t>
+            </a:r>
+            <a:r>
+              <a:rPr lang="en-US" b="1" dirty="0" smtClean="0"/>
+              <a:t>ncryption.</a:t>
             </a:r>
           </a:p>
           <a:p>
@@ -22730,11 +22625,19 @@
             </a:r>
             <a:r>
               <a:rPr lang="en-US" dirty="0"/>
-              <a:t>the whole system through a single </a:t>
+              <a:t>the whole system through a </a:t>
+            </a:r>
+            <a:r>
+              <a:rPr lang="en-US" b="1" dirty="0"/>
+              <a:t>single </a:t>
+            </a:r>
+            <a:r>
+              <a:rPr lang="en-US" b="1" dirty="0" smtClean="0"/>
+              <a:t>optimized smart contract</a:t>
             </a:r>
             <a:r>
               <a:rPr lang="en-US" dirty="0" smtClean="0"/>
-              <a:t>optimized smart contract to reduce the </a:t>
+              <a:t> to reduce the </a:t>
             </a:r>
             <a:r>
               <a:rPr lang="en-US" dirty="0"/>
@@ -22779,10 +22682,6 @@
               </a:rPr>
               <a:t>9</a:t>
             </a:r>
-            <a:endParaRPr lang="en-US" sz="1600" b="1" dirty="0">
-              <a:latin typeface="Gadugi" panose="020B0502040204020203" pitchFamily="34" charset="0"/>
-              <a:ea typeface="Gadugi" panose="020B0502040204020203" pitchFamily="34" charset="0"/>
-            </a:endParaRPr>
           </a:p>
         </p:txBody>
       </p:sp>
@@ -22796,12 +22695,12 @@
   <p:clrMapOvr>
     <a:masterClrMapping/>
   </p:clrMapOvr>
-  <mc:AlternateContent xmlns:mc="http://schemas.openxmlformats.org/markup-compatibility/2006" xmlns:p14="http://schemas.microsoft.com/office/powerpoint/2010/main">
-    <mc:Choice Requires="p14">
-      <p:transition spd="slow" p14:dur="2000" advTm="4454"/>
+  <mc:AlternateContent xmlns:mc="http://schemas.openxmlformats.org/markup-compatibility/2006">
+    <mc:Choice xmlns:p14="http://schemas.microsoft.com/office/powerpoint/2010/main" Requires="p14">
+      <p:transition spd="slow" p14:dur="2000" advTm="14568"/>
     </mc:Choice>
-    <mc:Fallback xmlns="">
-      <p:transition spd="slow" advTm="4454"/>
+    <mc:Fallback>
+      <p:transition spd="slow" advTm="14568"/>
     </mc:Fallback>
   </mc:AlternateContent>
   <p:timing>
